--- a/REPORT/AppliedDataScienceCapstoneFinalReport.pptx
+++ b/REPORT/AppliedDataScienceCapstoneFinalReport.pptx
@@ -5023,7 +5023,11 @@
           <a:p>
             <a:r>
               <a:rPr kumimoji="1" lang="en-US" altLang="ja-JP" dirty="0"/>
-              <a:t>We recommend to open the office in the area of cluster 3. </a:t>
+              <a:t>We recommend to open the office in the area of </a:t>
+            </a:r>
+            <a:r>
+              <a:rPr kumimoji="1" lang="en-US" altLang="ja-JP"/>
+              <a:t>cluster 1. </a:t>
             </a:r>
             <a:r>
               <a:rPr lang="en-US" altLang="ja-JP" dirty="0"/>
@@ -5054,7 +5058,7 @@
           <a:p>
             <a:pPr lvl="1"/>
             <a:r>
-              <a:rPr lang="en-US" altLang="ja-JP"/>
+              <a:rPr lang="en-US" altLang="ja-JP" dirty="0"/>
               <a:t>URAFUROCHOOKAMATSUCHO</a:t>
             </a:r>
             <a:br>
